--- a/StudentKit-FanceSatriaNusantara.pptx
+++ b/StudentKit-FanceSatriaNusantara.pptx
@@ -5,7 +5,7 @@
     <p:sldMasterId id="2147483674" r:id="rId1"/>
   </p:sldMasterIdLst>
   <p:notesMasterIdLst>
-    <p:notesMasterId r:id="rId16"/>
+    <p:notesMasterId r:id="rId18"/>
   </p:notesMasterIdLst>
   <p:sldIdLst>
     <p:sldId id="256" r:id="rId2"/>
@@ -17,30 +17,32 @@
     <p:sldId id="301" r:id="rId8"/>
     <p:sldId id="302" r:id="rId9"/>
     <p:sldId id="303" r:id="rId10"/>
-    <p:sldId id="304" r:id="rId11"/>
-    <p:sldId id="305" r:id="rId12"/>
-    <p:sldId id="306" r:id="rId13"/>
-    <p:sldId id="307" r:id="rId14"/>
-    <p:sldId id="308" r:id="rId15"/>
+    <p:sldId id="310" r:id="rId11"/>
+    <p:sldId id="304" r:id="rId12"/>
+    <p:sldId id="305" r:id="rId13"/>
+    <p:sldId id="306" r:id="rId14"/>
+    <p:sldId id="307" r:id="rId15"/>
+    <p:sldId id="311" r:id="rId16"/>
+    <p:sldId id="308" r:id="rId17"/>
   </p:sldIdLst>
   <p:sldSz cx="9144000" cy="5143500" type="screen16x9"/>
   <p:notesSz cx="6858000" cy="9144000"/>
   <p:embeddedFontLst>
     <p:embeddedFont>
       <p:font typeface="DM Sans" pitchFamily="2" charset="77"/>
-      <p:regular r:id="rId17"/>
-      <p:bold r:id="rId18"/>
-      <p:italic r:id="rId19"/>
-      <p:boldItalic r:id="rId20"/>
+      <p:regular r:id="rId19"/>
+      <p:bold r:id="rId20"/>
+      <p:italic r:id="rId21"/>
+      <p:boldItalic r:id="rId22"/>
     </p:embeddedFont>
     <p:embeddedFont>
       <p:font typeface="Passion One" panose="02000506080000020004" pitchFamily="2" charset="77"/>
-      <p:regular r:id="rId21"/>
-      <p:bold r:id="rId22"/>
+      <p:regular r:id="rId23"/>
+      <p:bold r:id="rId24"/>
     </p:embeddedFont>
     <p:embeddedFont>
       <p:font typeface="Permanent Marker" panose="02000000000000000000" pitchFamily="2" charset="0"/>
-      <p:regular r:id="rId23"/>
+      <p:regular r:id="rId25"/>
     </p:embeddedFont>
   </p:embeddedFontLst>
   <p:defaultTextStyle>
@@ -278,6 +280,11 @@
         <p15:guide id="1" pos="2880">
           <p15:clr>
             <a:srgbClr val="9AA0A6"/>
+          </p15:clr>
+        </p15:guide>
+        <p15:guide id="2" orient="horz" pos="1620">
+          <p15:clr>
+            <a:srgbClr val="A4A3A4"/>
           </p15:clr>
         </p15:guide>
       </p15:sldGuideLst>
@@ -930,7 +937,7 @@
     </p:spTree>
     <p:extLst>
       <p:ext uri="{BB962C8B-B14F-4D97-AF65-F5344CB8AC3E}">
-        <p14:creationId xmlns:p14="http://schemas.microsoft.com/office/powerpoint/2010/main" val="3463609772"/>
+        <p14:creationId xmlns:p14="http://schemas.microsoft.com/office/powerpoint/2010/main" val="3461172862"/>
       </p:ext>
     </p:extLst>
   </p:cSld>
@@ -1039,7 +1046,7 @@
     </p:spTree>
     <p:extLst>
       <p:ext uri="{BB962C8B-B14F-4D97-AF65-F5344CB8AC3E}">
-        <p14:creationId xmlns:p14="http://schemas.microsoft.com/office/powerpoint/2010/main" val="1328196113"/>
+        <p14:creationId xmlns:p14="http://schemas.microsoft.com/office/powerpoint/2010/main" val="3463609772"/>
       </p:ext>
     </p:extLst>
   </p:cSld>
@@ -1148,7 +1155,7 @@
     </p:spTree>
     <p:extLst>
       <p:ext uri="{BB962C8B-B14F-4D97-AF65-F5344CB8AC3E}">
-        <p14:creationId xmlns:p14="http://schemas.microsoft.com/office/powerpoint/2010/main" val="1665214156"/>
+        <p14:creationId xmlns:p14="http://schemas.microsoft.com/office/powerpoint/2010/main" val="1328196113"/>
       </p:ext>
     </p:extLst>
   </p:cSld>
@@ -1257,6 +1264,115 @@
     </p:spTree>
     <p:extLst>
       <p:ext uri="{BB962C8B-B14F-4D97-AF65-F5344CB8AC3E}">
+        <p14:creationId xmlns:p14="http://schemas.microsoft.com/office/powerpoint/2010/main" val="1665214156"/>
+      </p:ext>
+    </p:extLst>
+  </p:cSld>
+  <p:clrMapOvr>
+    <a:masterClrMapping/>
+  </p:clrMapOvr>
+</p:notes>
+</file>
+
+<file path=ppt/notesSlides/notesSlide14.xml><?xml version="1.0" encoding="utf-8"?>
+<p:notes xmlns:a="http://schemas.openxmlformats.org/drawingml/2006/main" xmlns:r="http://schemas.openxmlformats.org/officeDocument/2006/relationships" xmlns:p="http://schemas.openxmlformats.org/presentationml/2006/main" showMasterSp="0" showMasterPhAnim="0">
+  <p:cSld>
+    <p:spTree>
+      <p:nvGrpSpPr>
+        <p:cNvPr id="1" name="Shape 228"/>
+        <p:cNvGrpSpPr/>
+        <p:nvPr/>
+      </p:nvGrpSpPr>
+      <p:grpSpPr>
+        <a:xfrm>
+          <a:off x="0" y="0"/>
+          <a:ext cx="0" cy="0"/>
+          <a:chOff x="0" y="0"/>
+          <a:chExt cx="0" cy="0"/>
+        </a:xfrm>
+      </p:grpSpPr>
+      <p:sp>
+        <p:nvSpPr>
+          <p:cNvPr id="229" name="Google Shape;229;g75fe98c795_0_30:notes"/>
+          <p:cNvSpPr>
+            <a:spLocks noGrp="1" noRot="1" noChangeAspect="1"/>
+          </p:cNvSpPr>
+          <p:nvPr>
+            <p:ph type="sldImg" idx="2"/>
+          </p:nvPr>
+        </p:nvSpPr>
+        <p:spPr>
+          <a:xfrm>
+            <a:off x="381000" y="685800"/>
+            <a:ext cx="6096000" cy="3429000"/>
+          </a:xfrm>
+          <a:custGeom>
+            <a:avLst/>
+            <a:gdLst/>
+            <a:ahLst/>
+            <a:cxnLst/>
+            <a:rect l="l" t="t" r="r" b="b"/>
+            <a:pathLst>
+              <a:path w="120000" h="120000" extrusionOk="0">
+                <a:moveTo>
+                  <a:pt x="0" y="0"/>
+                </a:moveTo>
+                <a:lnTo>
+                  <a:pt x="120000" y="0"/>
+                </a:lnTo>
+                <a:lnTo>
+                  <a:pt x="120000" y="120000"/>
+                </a:lnTo>
+                <a:lnTo>
+                  <a:pt x="0" y="120000"/>
+                </a:lnTo>
+                <a:close/>
+              </a:path>
+            </a:pathLst>
+          </a:custGeom>
+        </p:spPr>
+      </p:sp>
+      <p:sp>
+        <p:nvSpPr>
+          <p:cNvPr id="230" name="Google Shape;230;g75fe98c795_0_30:notes"/>
+          <p:cNvSpPr txBox="1">
+            <a:spLocks noGrp="1"/>
+          </p:cNvSpPr>
+          <p:nvPr>
+            <p:ph type="body" idx="1"/>
+          </p:nvPr>
+        </p:nvSpPr>
+        <p:spPr>
+          <a:xfrm>
+            <a:off x="685800" y="4343400"/>
+            <a:ext cx="5486400" cy="4114800"/>
+          </a:xfrm>
+          <a:prstGeom prst="rect">
+            <a:avLst/>
+          </a:prstGeom>
+        </p:spPr>
+        <p:txBody>
+          <a:bodyPr spcFirstLastPara="1" wrap="square" lIns="91425" tIns="91425" rIns="91425" bIns="91425" anchor="t" anchorCtr="0">
+            <a:noAutofit/>
+          </a:bodyPr>
+          <a:lstStyle/>
+          <a:p>
+            <a:pPr marL="0" lvl="0" indent="0" algn="l" rtl="0">
+              <a:spcBef>
+                <a:spcPts val="0"/>
+              </a:spcBef>
+              <a:spcAft>
+                <a:spcPts val="0"/>
+              </a:spcAft>
+              <a:buNone/>
+            </a:pPr>
+            <a:endParaRPr/>
+          </a:p>
+        </p:txBody>
+      </p:sp>
+    </p:spTree>
+    <p:extLst>
+      <p:ext uri="{BB962C8B-B14F-4D97-AF65-F5344CB8AC3E}">
         <p14:creationId xmlns:p14="http://schemas.microsoft.com/office/powerpoint/2010/main" val="3960273846"/>
       </p:ext>
     </p:extLst>
@@ -1267,7 +1383,116 @@
 </p:notes>
 </file>
 
-<file path=ppt/notesSlides/notesSlide14.xml><?xml version="1.0" encoding="utf-8"?>
+<file path=ppt/notesSlides/notesSlide15.xml><?xml version="1.0" encoding="utf-8"?>
+<p:notes xmlns:a="http://schemas.openxmlformats.org/drawingml/2006/main" xmlns:r="http://schemas.openxmlformats.org/officeDocument/2006/relationships" xmlns:p="http://schemas.openxmlformats.org/presentationml/2006/main" showMasterSp="0" showMasterPhAnim="0">
+  <p:cSld>
+    <p:spTree>
+      <p:nvGrpSpPr>
+        <p:cNvPr id="1" name="Shape 228"/>
+        <p:cNvGrpSpPr/>
+        <p:nvPr/>
+      </p:nvGrpSpPr>
+      <p:grpSpPr>
+        <a:xfrm>
+          <a:off x="0" y="0"/>
+          <a:ext cx="0" cy="0"/>
+          <a:chOff x="0" y="0"/>
+          <a:chExt cx="0" cy="0"/>
+        </a:xfrm>
+      </p:grpSpPr>
+      <p:sp>
+        <p:nvSpPr>
+          <p:cNvPr id="229" name="Google Shape;229;g75fe98c795_0_30:notes"/>
+          <p:cNvSpPr>
+            <a:spLocks noGrp="1" noRot="1" noChangeAspect="1"/>
+          </p:cNvSpPr>
+          <p:nvPr>
+            <p:ph type="sldImg" idx="2"/>
+          </p:nvPr>
+        </p:nvSpPr>
+        <p:spPr>
+          <a:xfrm>
+            <a:off x="381000" y="685800"/>
+            <a:ext cx="6096000" cy="3429000"/>
+          </a:xfrm>
+          <a:custGeom>
+            <a:avLst/>
+            <a:gdLst/>
+            <a:ahLst/>
+            <a:cxnLst/>
+            <a:rect l="l" t="t" r="r" b="b"/>
+            <a:pathLst>
+              <a:path w="120000" h="120000" extrusionOk="0">
+                <a:moveTo>
+                  <a:pt x="0" y="0"/>
+                </a:moveTo>
+                <a:lnTo>
+                  <a:pt x="120000" y="0"/>
+                </a:lnTo>
+                <a:lnTo>
+                  <a:pt x="120000" y="120000"/>
+                </a:lnTo>
+                <a:lnTo>
+                  <a:pt x="0" y="120000"/>
+                </a:lnTo>
+                <a:close/>
+              </a:path>
+            </a:pathLst>
+          </a:custGeom>
+        </p:spPr>
+      </p:sp>
+      <p:sp>
+        <p:nvSpPr>
+          <p:cNvPr id="230" name="Google Shape;230;g75fe98c795_0_30:notes"/>
+          <p:cNvSpPr txBox="1">
+            <a:spLocks noGrp="1"/>
+          </p:cNvSpPr>
+          <p:nvPr>
+            <p:ph type="body" idx="1"/>
+          </p:nvPr>
+        </p:nvSpPr>
+        <p:spPr>
+          <a:xfrm>
+            <a:off x="685800" y="4343400"/>
+            <a:ext cx="5486400" cy="4114800"/>
+          </a:xfrm>
+          <a:prstGeom prst="rect">
+            <a:avLst/>
+          </a:prstGeom>
+        </p:spPr>
+        <p:txBody>
+          <a:bodyPr spcFirstLastPara="1" wrap="square" lIns="91425" tIns="91425" rIns="91425" bIns="91425" anchor="t" anchorCtr="0">
+            <a:noAutofit/>
+          </a:bodyPr>
+          <a:lstStyle/>
+          <a:p>
+            <a:pPr marL="0" lvl="0" indent="0" algn="l" rtl="0">
+              <a:spcBef>
+                <a:spcPts val="0"/>
+              </a:spcBef>
+              <a:spcAft>
+                <a:spcPts val="0"/>
+              </a:spcAft>
+              <a:buNone/>
+            </a:pPr>
+            <a:endParaRPr/>
+          </a:p>
+        </p:txBody>
+      </p:sp>
+    </p:spTree>
+    <p:extLst>
+      <p:ext uri="{BB962C8B-B14F-4D97-AF65-F5344CB8AC3E}">
+        <p14:creationId xmlns:p14="http://schemas.microsoft.com/office/powerpoint/2010/main" val="2448443476"/>
+      </p:ext>
+    </p:extLst>
+  </p:cSld>
+  <p:clrMapOvr>
+    <a:masterClrMapping/>
+  </p:clrMapOvr>
+</p:notes>
+</file>
+
+<file path=ppt/notesSlides/notesSlide16.xml><?xml version="1.0" encoding="utf-8"?>
 <p:notes xmlns:a="http://schemas.openxmlformats.org/drawingml/2006/main" xmlns:r="http://schemas.openxmlformats.org/officeDocument/2006/relationships" xmlns:p="http://schemas.openxmlformats.org/presentationml/2006/main" showMasterSp="0" showMasterPhAnim="0">
   <p:cSld>
     <p:spTree>
@@ -5424,6 +5649,289 @@
               <a:buNone/>
             </a:pPr>
             <a:r>
+              <a:rPr lang="en" dirty="0" err="1"/>
+              <a:t>ToDoList</a:t>
+            </a:r>
+            <a:r>
+              <a:rPr lang="en" dirty="0"/>
+              <a:t> / Notes</a:t>
+            </a:r>
+            <a:endParaRPr dirty="0"/>
+          </a:p>
+        </p:txBody>
+      </p:sp>
+      <p:sp>
+        <p:nvSpPr>
+          <p:cNvPr id="233" name="Google Shape;233;p33"/>
+          <p:cNvSpPr txBox="1">
+            <a:spLocks noGrp="1"/>
+          </p:cNvSpPr>
+          <p:nvPr>
+            <p:ph type="subTitle" idx="1"/>
+          </p:nvPr>
+        </p:nvSpPr>
+        <p:spPr>
+          <a:xfrm>
+            <a:off x="220611" y="1094091"/>
+            <a:ext cx="4088240" cy="3890420"/>
+          </a:xfrm>
+          <a:prstGeom prst="rect">
+            <a:avLst/>
+          </a:prstGeom>
+        </p:spPr>
+        <p:txBody>
+          <a:bodyPr spcFirstLastPara="1" wrap="square" lIns="91425" tIns="91425" rIns="91425" bIns="91425" anchor="t" anchorCtr="0">
+            <a:noAutofit/>
+          </a:bodyPr>
+          <a:lstStyle/>
+          <a:p>
+            <a:pPr marL="0" lvl="0" indent="0" algn="just" rtl="0">
+              <a:spcBef>
+                <a:spcPts val="0"/>
+              </a:spcBef>
+              <a:spcAft>
+                <a:spcPts val="0"/>
+              </a:spcAft>
+              <a:buNone/>
+            </a:pPr>
+            <a:r>
+              <a:rPr lang="en-US" dirty="0"/>
+              <a:t>Ketika item di </a:t>
+            </a:r>
+            <a:r>
+              <a:rPr lang="en-US" dirty="0" err="1"/>
+              <a:t>tekan</a:t>
+            </a:r>
+            <a:r>
+              <a:rPr lang="en-US" dirty="0"/>
+              <a:t> lama, </a:t>
+            </a:r>
+            <a:r>
+              <a:rPr lang="en-US" dirty="0" err="1"/>
+              <a:t>maka</a:t>
+            </a:r>
+            <a:r>
+              <a:rPr lang="en-US" dirty="0"/>
+              <a:t> </a:t>
+            </a:r>
+            <a:r>
+              <a:rPr lang="en-US" dirty="0" err="1"/>
+              <a:t>akan</a:t>
+            </a:r>
+            <a:r>
+              <a:rPr lang="en-US" dirty="0"/>
+              <a:t> </a:t>
+            </a:r>
+            <a:r>
+              <a:rPr lang="en-US" dirty="0" err="1"/>
+              <a:t>muncul</a:t>
+            </a:r>
+            <a:r>
+              <a:rPr lang="en-US" dirty="0"/>
+              <a:t> </a:t>
+            </a:r>
+            <a:r>
+              <a:rPr lang="en-US" dirty="0" err="1"/>
+              <a:t>konfirmasi</a:t>
+            </a:r>
+            <a:r>
+              <a:rPr lang="en-US" dirty="0"/>
+              <a:t> </a:t>
+            </a:r>
+            <a:r>
+              <a:rPr lang="en-US" dirty="0" err="1"/>
+              <a:t>untuk</a:t>
+            </a:r>
+            <a:r>
+              <a:rPr lang="en-US" dirty="0"/>
+              <a:t> </a:t>
+            </a:r>
+            <a:r>
+              <a:rPr lang="en-US" dirty="0" err="1"/>
+              <a:t>menghapus</a:t>
+            </a:r>
+            <a:r>
+              <a:rPr lang="en-US" dirty="0"/>
+              <a:t> item notes </a:t>
+            </a:r>
+            <a:r>
+              <a:rPr lang="en-US" dirty="0" err="1"/>
+              <a:t>tersebut</a:t>
+            </a:r>
+            <a:r>
+              <a:rPr lang="en-US" dirty="0"/>
+              <a:t>, </a:t>
+            </a:r>
+            <a:r>
+              <a:rPr lang="en-US" dirty="0" err="1"/>
+              <a:t>pengguna</a:t>
+            </a:r>
+            <a:r>
+              <a:rPr lang="en-US" dirty="0"/>
+              <a:t> </a:t>
+            </a:r>
+            <a:r>
+              <a:rPr lang="en-US" dirty="0" err="1"/>
+              <a:t>bisa</a:t>
+            </a:r>
+            <a:r>
+              <a:rPr lang="en-US" dirty="0"/>
+              <a:t> </a:t>
+            </a:r>
+            <a:r>
+              <a:rPr lang="en-US" dirty="0" err="1"/>
+              <a:t>memilih</a:t>
+            </a:r>
+            <a:r>
+              <a:rPr lang="en-US" dirty="0"/>
+              <a:t> </a:t>
+            </a:r>
+            <a:r>
+              <a:rPr lang="en-US" dirty="0" err="1"/>
+              <a:t>ya</a:t>
+            </a:r>
+            <a:r>
+              <a:rPr lang="en-US" dirty="0"/>
+              <a:t> </a:t>
+            </a:r>
+            <a:r>
+              <a:rPr lang="en-US" dirty="0" err="1"/>
+              <a:t>atau</a:t>
+            </a:r>
+            <a:r>
+              <a:rPr lang="en-US" dirty="0"/>
+              <a:t> </a:t>
+            </a:r>
+            <a:r>
+              <a:rPr lang="en-US" dirty="0" err="1"/>
+              <a:t>tidak</a:t>
+            </a:r>
+            <a:r>
+              <a:rPr lang="en-US" dirty="0"/>
+              <a:t>.</a:t>
+            </a:r>
+            <a:endParaRPr dirty="0"/>
+          </a:p>
+          <a:p>
+            <a:pPr marL="0" lvl="0" indent="0" algn="just" rtl="0">
+              <a:spcBef>
+                <a:spcPts val="0"/>
+              </a:spcBef>
+              <a:spcAft>
+                <a:spcPts val="0"/>
+              </a:spcAft>
+              <a:buNone/>
+            </a:pPr>
+            <a:endParaRPr dirty="0"/>
+          </a:p>
+          <a:p>
+            <a:pPr marL="0" lvl="0" indent="0" algn="just" rtl="0">
+              <a:spcBef>
+                <a:spcPts val="0"/>
+              </a:spcBef>
+              <a:spcAft>
+                <a:spcPts val="0"/>
+              </a:spcAft>
+              <a:buNone/>
+            </a:pPr>
+            <a:endParaRPr dirty="0"/>
+          </a:p>
+        </p:txBody>
+      </p:sp>
+      <p:pic>
+        <p:nvPicPr>
+          <p:cNvPr id="2" name="Gambar 1">
+            <a:extLst>
+              <a:ext uri="{FF2B5EF4-FFF2-40B4-BE49-F238E27FC236}">
+                <a16:creationId xmlns:a16="http://schemas.microsoft.com/office/drawing/2014/main" id="{0F58360F-D049-68FD-A3D1-8E1A9D2AB18C}"/>
+              </a:ext>
+            </a:extLst>
+          </p:cNvPr>
+          <p:cNvPicPr>
+            <a:picLocks noChangeAspect="1"/>
+          </p:cNvPicPr>
+          <p:nvPr/>
+        </p:nvPicPr>
+        <p:blipFill>
+          <a:blip r:embed="rId3"/>
+          <a:srcRect/>
+          <a:stretch/>
+        </p:blipFill>
+        <p:spPr>
+          <a:xfrm>
+            <a:off x="5859518" y="2"/>
+            <a:ext cx="2411014" cy="5143498"/>
+          </a:xfrm>
+          <a:prstGeom prst="rect">
+            <a:avLst/>
+          </a:prstGeom>
+        </p:spPr>
+      </p:pic>
+    </p:spTree>
+    <p:extLst>
+      <p:ext uri="{BB962C8B-B14F-4D97-AF65-F5344CB8AC3E}">
+        <p14:creationId xmlns:p14="http://schemas.microsoft.com/office/powerpoint/2010/main" val="2912129931"/>
+      </p:ext>
+    </p:extLst>
+  </p:cSld>
+  <p:clrMapOvr>
+    <a:masterClrMapping/>
+  </p:clrMapOvr>
+</p:sld>
+</file>
+
+<file path=ppt/slides/slide11.xml><?xml version="1.0" encoding="utf-8"?>
+<p:sld xmlns:a="http://schemas.openxmlformats.org/drawingml/2006/main" xmlns:r="http://schemas.openxmlformats.org/officeDocument/2006/relationships" xmlns:p="http://schemas.openxmlformats.org/presentationml/2006/main">
+  <p:cSld>
+    <p:spTree>
+      <p:nvGrpSpPr>
+        <p:cNvPr id="1" name="Shape 231"/>
+        <p:cNvGrpSpPr/>
+        <p:nvPr/>
+      </p:nvGrpSpPr>
+      <p:grpSpPr>
+        <a:xfrm>
+          <a:off x="0" y="0"/>
+          <a:ext cx="0" cy="0"/>
+          <a:chOff x="0" y="0"/>
+          <a:chExt cx="0" cy="0"/>
+        </a:xfrm>
+      </p:grpSpPr>
+      <p:sp>
+        <p:nvSpPr>
+          <p:cNvPr id="232" name="Google Shape;232;p33"/>
+          <p:cNvSpPr txBox="1">
+            <a:spLocks noGrp="1"/>
+          </p:cNvSpPr>
+          <p:nvPr>
+            <p:ph type="title"/>
+          </p:nvPr>
+        </p:nvSpPr>
+        <p:spPr>
+          <a:xfrm>
+            <a:off x="378550" y="345900"/>
+            <a:ext cx="3930300" cy="1758300"/>
+          </a:xfrm>
+          <a:prstGeom prst="rect">
+            <a:avLst/>
+          </a:prstGeom>
+        </p:spPr>
+        <p:txBody>
+          <a:bodyPr spcFirstLastPara="1" wrap="square" lIns="91425" tIns="91425" rIns="91425" bIns="91425" anchor="t" anchorCtr="0">
+            <a:noAutofit/>
+          </a:bodyPr>
+          <a:lstStyle/>
+          <a:p>
+            <a:pPr marL="0" lvl="0" indent="0" algn="l" rtl="0">
+              <a:spcBef>
+                <a:spcPts val="0"/>
+              </a:spcBef>
+              <a:spcAft>
+                <a:spcPts val="0"/>
+              </a:spcAft>
+              <a:buNone/>
+            </a:pPr>
+            <a:r>
               <a:rPr lang="en" dirty="0"/>
               <a:t>Quiz</a:t>
             </a:r>
@@ -5846,7 +6354,7 @@
 </p:sld>
 </file>
 
-<file path=ppt/slides/slide11.xml><?xml version="1.0" encoding="utf-8"?>
+<file path=ppt/slides/slide12.xml><?xml version="1.0" encoding="utf-8"?>
 <p:sld xmlns:a="http://schemas.openxmlformats.org/drawingml/2006/main" xmlns:r="http://schemas.openxmlformats.org/officeDocument/2006/relationships" xmlns:p="http://schemas.openxmlformats.org/presentationml/2006/main">
   <p:cSld>
     <p:spTree>
@@ -6269,7 +6777,7 @@
 </p:sld>
 </file>
 
-<file path=ppt/slides/slide12.xml><?xml version="1.0" encoding="utf-8"?>
+<file path=ppt/slides/slide13.xml><?xml version="1.0" encoding="utf-8"?>
 <p:sld xmlns:a="http://schemas.openxmlformats.org/drawingml/2006/main" xmlns:r="http://schemas.openxmlformats.org/officeDocument/2006/relationships" xmlns:p="http://schemas.openxmlformats.org/presentationml/2006/main">
   <p:cSld>
     <p:spTree>
@@ -6644,7 +7152,7 @@
 </p:sld>
 </file>
 
-<file path=ppt/slides/slide13.xml><?xml version="1.0" encoding="utf-8"?>
+<file path=ppt/slides/slide14.xml><?xml version="1.0" encoding="utf-8"?>
 <p:sld xmlns:a="http://schemas.openxmlformats.org/drawingml/2006/main" xmlns:r="http://schemas.openxmlformats.org/officeDocument/2006/relationships" xmlns:p="http://schemas.openxmlformats.org/presentationml/2006/main">
   <p:cSld>
     <p:spTree>
@@ -7103,7 +7611,323 @@
 </p:sld>
 </file>
 
-<file path=ppt/slides/slide14.xml><?xml version="1.0" encoding="utf-8"?>
+<file path=ppt/slides/slide15.xml><?xml version="1.0" encoding="utf-8"?>
+<p:sld xmlns:a="http://schemas.openxmlformats.org/drawingml/2006/main" xmlns:r="http://schemas.openxmlformats.org/officeDocument/2006/relationships" xmlns:p="http://schemas.openxmlformats.org/presentationml/2006/main">
+  <p:cSld>
+    <p:spTree>
+      <p:nvGrpSpPr>
+        <p:cNvPr id="1" name="Shape 231"/>
+        <p:cNvGrpSpPr/>
+        <p:nvPr/>
+      </p:nvGrpSpPr>
+      <p:grpSpPr>
+        <a:xfrm>
+          <a:off x="0" y="0"/>
+          <a:ext cx="0" cy="0"/>
+          <a:chOff x="0" y="0"/>
+          <a:chExt cx="0" cy="0"/>
+        </a:xfrm>
+      </p:grpSpPr>
+      <p:sp>
+        <p:nvSpPr>
+          <p:cNvPr id="232" name="Google Shape;232;p33"/>
+          <p:cNvSpPr txBox="1">
+            <a:spLocks noGrp="1"/>
+          </p:cNvSpPr>
+          <p:nvPr>
+            <p:ph type="title"/>
+          </p:nvPr>
+        </p:nvSpPr>
+        <p:spPr>
+          <a:xfrm>
+            <a:off x="378550" y="345900"/>
+            <a:ext cx="3930300" cy="1758300"/>
+          </a:xfrm>
+          <a:prstGeom prst="rect">
+            <a:avLst/>
+          </a:prstGeom>
+        </p:spPr>
+        <p:txBody>
+          <a:bodyPr spcFirstLastPara="1" wrap="square" lIns="91425" tIns="91425" rIns="91425" bIns="91425" anchor="t" anchorCtr="0">
+            <a:noAutofit/>
+          </a:bodyPr>
+          <a:lstStyle/>
+          <a:p>
+            <a:pPr marL="0" lvl="0" indent="0" algn="l" rtl="0">
+              <a:spcBef>
+                <a:spcPts val="0"/>
+              </a:spcBef>
+              <a:spcAft>
+                <a:spcPts val="0"/>
+              </a:spcAft>
+              <a:buNone/>
+            </a:pPr>
+            <a:r>
+              <a:rPr lang="en" dirty="0"/>
+              <a:t>Image Generator</a:t>
+            </a:r>
+            <a:endParaRPr dirty="0"/>
+          </a:p>
+        </p:txBody>
+      </p:sp>
+      <p:sp>
+        <p:nvSpPr>
+          <p:cNvPr id="233" name="Google Shape;233;p33"/>
+          <p:cNvSpPr txBox="1">
+            <a:spLocks noGrp="1"/>
+          </p:cNvSpPr>
+          <p:nvPr>
+            <p:ph type="subTitle" idx="1"/>
+          </p:nvPr>
+        </p:nvSpPr>
+        <p:spPr>
+          <a:xfrm>
+            <a:off x="325822" y="1080973"/>
+            <a:ext cx="3930300" cy="3890420"/>
+          </a:xfrm>
+          <a:prstGeom prst="rect">
+            <a:avLst/>
+          </a:prstGeom>
+        </p:spPr>
+        <p:txBody>
+          <a:bodyPr spcFirstLastPara="1" wrap="square" lIns="91425" tIns="91425" rIns="91425" bIns="91425" anchor="t" anchorCtr="0">
+            <a:noAutofit/>
+          </a:bodyPr>
+          <a:lstStyle/>
+          <a:p>
+            <a:pPr marL="0" lvl="0" indent="0" algn="just" rtl="0">
+              <a:spcBef>
+                <a:spcPts val="0"/>
+              </a:spcBef>
+              <a:spcAft>
+                <a:spcPts val="0"/>
+              </a:spcAft>
+              <a:buNone/>
+            </a:pPr>
+            <a:r>
+              <a:rPr lang="en-US" dirty="0"/>
+              <a:t>Jika </a:t>
+            </a:r>
+            <a:r>
+              <a:rPr lang="en-US" dirty="0" err="1"/>
+              <a:t>pilihan</a:t>
+            </a:r>
+            <a:r>
+              <a:rPr lang="en-US" dirty="0"/>
+              <a:t> Image generator pada </a:t>
+            </a:r>
+            <a:r>
+              <a:rPr lang="en-US" dirty="0" err="1"/>
+              <a:t>halaman</a:t>
+            </a:r>
+            <a:r>
+              <a:rPr lang="en-US" dirty="0"/>
+              <a:t> dashboard di </a:t>
+            </a:r>
+            <a:r>
+              <a:rPr lang="en-US" dirty="0" err="1"/>
+              <a:t>klk</a:t>
+            </a:r>
+            <a:r>
+              <a:rPr lang="en-US" dirty="0"/>
+              <a:t>, </a:t>
+            </a:r>
+            <a:r>
+              <a:rPr lang="en-US" dirty="0" err="1"/>
+              <a:t>maka</a:t>
+            </a:r>
+            <a:r>
+              <a:rPr lang="en-US" dirty="0"/>
+              <a:t> </a:t>
+            </a:r>
+            <a:r>
+              <a:rPr lang="en-US" dirty="0" err="1"/>
+              <a:t>akan</a:t>
+            </a:r>
+            <a:r>
+              <a:rPr lang="en-US" dirty="0"/>
+              <a:t> </a:t>
+            </a:r>
+            <a:r>
+              <a:rPr lang="en-US" dirty="0" err="1"/>
+              <a:t>membawa</a:t>
+            </a:r>
+            <a:r>
+              <a:rPr lang="en-US" dirty="0"/>
+              <a:t> pada </a:t>
+            </a:r>
+            <a:r>
+              <a:rPr lang="en-US" dirty="0" err="1"/>
+              <a:t>halaman</a:t>
+            </a:r>
+            <a:r>
+              <a:rPr lang="en-US" dirty="0"/>
+              <a:t> </a:t>
+            </a:r>
+            <a:r>
+              <a:rPr lang="en-US" dirty="0" err="1"/>
+              <a:t>disamping</a:t>
+            </a:r>
+            <a:r>
+              <a:rPr lang="en-US" dirty="0"/>
+              <a:t>, </a:t>
+            </a:r>
+            <a:r>
+              <a:rPr lang="en-US" dirty="0" err="1"/>
+              <a:t>gambar</a:t>
+            </a:r>
+            <a:r>
+              <a:rPr lang="en-US" dirty="0"/>
+              <a:t> </a:t>
+            </a:r>
+            <a:r>
+              <a:rPr lang="en-US" dirty="0" err="1"/>
+              <a:t>pertama</a:t>
+            </a:r>
+            <a:r>
+              <a:rPr lang="en-US" dirty="0"/>
+              <a:t> </a:t>
+            </a:r>
+            <a:r>
+              <a:rPr lang="en-US" dirty="0" err="1"/>
+              <a:t>merupakan</a:t>
+            </a:r>
+            <a:r>
+              <a:rPr lang="en-US" dirty="0"/>
+              <a:t> </a:t>
+            </a:r>
+            <a:r>
+              <a:rPr lang="en-US" dirty="0" err="1"/>
+              <a:t>awal</a:t>
+            </a:r>
+            <a:r>
+              <a:rPr lang="en-US" dirty="0"/>
+              <a:t> Generator Image dan </a:t>
+            </a:r>
+            <a:r>
+              <a:rPr lang="en-US" dirty="0" err="1"/>
+              <a:t>gambar</a:t>
+            </a:r>
+            <a:r>
+              <a:rPr lang="en-US" dirty="0"/>
+              <a:t> </a:t>
+            </a:r>
+            <a:r>
+              <a:rPr lang="en-US" dirty="0" err="1"/>
+              <a:t>kedua</a:t>
+            </a:r>
+            <a:r>
+              <a:rPr lang="en-US" dirty="0"/>
+              <a:t> </a:t>
+            </a:r>
+            <a:r>
+              <a:rPr lang="en-US" dirty="0" err="1"/>
+              <a:t>merupakan</a:t>
+            </a:r>
+            <a:r>
+              <a:rPr lang="en-US" dirty="0"/>
+              <a:t> </a:t>
+            </a:r>
+            <a:r>
+              <a:rPr lang="en-US" dirty="0" err="1"/>
+              <a:t>hasil</a:t>
+            </a:r>
+            <a:r>
+              <a:rPr lang="en-US" dirty="0"/>
+              <a:t> </a:t>
+            </a:r>
+            <a:r>
+              <a:rPr lang="en-US" dirty="0" err="1"/>
+              <a:t>gambar</a:t>
+            </a:r>
+            <a:r>
+              <a:rPr lang="en-US" dirty="0"/>
+              <a:t> yang </a:t>
+            </a:r>
+            <a:r>
+              <a:rPr lang="en-US" dirty="0" err="1"/>
+              <a:t>dicari</a:t>
+            </a:r>
+            <a:r>
+              <a:rPr lang="en-US" dirty="0"/>
+              <a:t>.</a:t>
+            </a:r>
+            <a:endParaRPr dirty="0"/>
+          </a:p>
+        </p:txBody>
+      </p:sp>
+      <p:pic>
+        <p:nvPicPr>
+          <p:cNvPr id="3" name="Gambar 2">
+            <a:extLst>
+              <a:ext uri="{FF2B5EF4-FFF2-40B4-BE49-F238E27FC236}">
+                <a16:creationId xmlns:a16="http://schemas.microsoft.com/office/drawing/2014/main" id="{A8686D6A-9B82-2BCB-5ED1-BA35726A3546}"/>
+              </a:ext>
+            </a:extLst>
+          </p:cNvPr>
+          <p:cNvPicPr>
+            <a:picLocks noChangeAspect="1"/>
+          </p:cNvPicPr>
+          <p:nvPr/>
+        </p:nvPicPr>
+        <p:blipFill>
+          <a:blip r:embed="rId3"/>
+          <a:srcRect/>
+          <a:stretch/>
+        </p:blipFill>
+        <p:spPr>
+          <a:xfrm>
+            <a:off x="4340955" y="1"/>
+            <a:ext cx="2411014" cy="5143496"/>
+          </a:xfrm>
+          <a:prstGeom prst="rect">
+            <a:avLst/>
+          </a:prstGeom>
+        </p:spPr>
+      </p:pic>
+      <p:pic>
+        <p:nvPicPr>
+          <p:cNvPr id="2" name="Gambar 1">
+            <a:extLst>
+              <a:ext uri="{FF2B5EF4-FFF2-40B4-BE49-F238E27FC236}">
+                <a16:creationId xmlns:a16="http://schemas.microsoft.com/office/drawing/2014/main" id="{0F58360F-D049-68FD-A3D1-8E1A9D2AB18C}"/>
+              </a:ext>
+            </a:extLst>
+          </p:cNvPr>
+          <p:cNvPicPr>
+            <a:picLocks noChangeAspect="1"/>
+          </p:cNvPicPr>
+          <p:nvPr/>
+        </p:nvPicPr>
+        <p:blipFill>
+          <a:blip r:embed="rId4"/>
+          <a:srcRect/>
+          <a:stretch/>
+        </p:blipFill>
+        <p:spPr>
+          <a:xfrm>
+            <a:off x="6889531" y="2"/>
+            <a:ext cx="2411013" cy="5143496"/>
+          </a:xfrm>
+          <a:prstGeom prst="rect">
+            <a:avLst/>
+          </a:prstGeom>
+        </p:spPr>
+      </p:pic>
+    </p:spTree>
+    <p:extLst>
+      <p:ext uri="{BB962C8B-B14F-4D97-AF65-F5344CB8AC3E}">
+        <p14:creationId xmlns:p14="http://schemas.microsoft.com/office/powerpoint/2010/main" val="159328977"/>
+      </p:ext>
+    </p:extLst>
+  </p:cSld>
+  <p:clrMapOvr>
+    <a:masterClrMapping/>
+  </p:clrMapOvr>
+</p:sld>
+</file>
+
+<file path=ppt/slides/slide16.xml><?xml version="1.0" encoding="utf-8"?>
 <p:sld xmlns:a="http://schemas.openxmlformats.org/drawingml/2006/main" xmlns:r="http://schemas.openxmlformats.org/officeDocument/2006/relationships" xmlns:p="http://schemas.openxmlformats.org/presentationml/2006/main">
   <p:cSld>
     <p:spTree>
@@ -7235,107 +8059,107 @@
               <a:buNone/>
             </a:pPr>
             <a:r>
-              <a:rPr lang="en" sz="1800" dirty="0" err="1"/>
+              <a:rPr lang="en" sz="1600" dirty="0" err="1"/>
               <a:t>Merupakan</a:t>
             </a:r>
             <a:r>
-              <a:rPr lang="en" sz="1800" dirty="0"/>
-              <a:t> </a:t>
-            </a:r>
-            <a:r>
-              <a:rPr lang="en" sz="1800" dirty="0" err="1"/>
+              <a:rPr lang="en" sz="1600" dirty="0"/>
+              <a:t> </a:t>
+            </a:r>
+            <a:r>
+              <a:rPr lang="en" sz="1600" dirty="0" err="1"/>
               <a:t>aplikasi</a:t>
             </a:r>
             <a:r>
-              <a:rPr lang="en" sz="1800" dirty="0"/>
+              <a:rPr lang="en" sz="1600" dirty="0"/>
               <a:t> yang </a:t>
             </a:r>
             <a:r>
-              <a:rPr lang="en" sz="1800" dirty="0" err="1"/>
+              <a:rPr lang="en" sz="1600" dirty="0" err="1"/>
               <a:t>berisi</a:t>
             </a:r>
             <a:r>
-              <a:rPr lang="en" sz="1800" dirty="0"/>
-              <a:t> smart chat, </a:t>
-            </a:r>
-            <a:r>
-              <a:rPr lang="en" sz="1800" dirty="0" err="1"/>
+              <a:rPr lang="en" sz="1600" dirty="0"/>
+              <a:t> smart chat, Image Generator, </a:t>
+            </a:r>
+            <a:r>
+              <a:rPr lang="en" sz="1600" dirty="0" err="1"/>
               <a:t>ToDoList</a:t>
             </a:r>
             <a:r>
-              <a:rPr lang="en" sz="1800" dirty="0"/>
+              <a:rPr lang="en" sz="1600" dirty="0"/>
               <a:t>/Notes, dan Quiz </a:t>
             </a:r>
             <a:r>
-              <a:rPr lang="en" sz="1800" dirty="0" err="1"/>
+              <a:rPr lang="en" sz="1600" dirty="0" err="1"/>
               <a:t>berbasis</a:t>
             </a:r>
             <a:r>
-              <a:rPr lang="en" sz="1800" dirty="0"/>
+              <a:rPr lang="en" sz="1600" dirty="0"/>
               <a:t> android </a:t>
             </a:r>
             <a:r>
-              <a:rPr lang="en" sz="1800" dirty="0" err="1"/>
+              <a:rPr lang="en" sz="1600" dirty="0" err="1"/>
               <a:t>sebagai</a:t>
             </a:r>
             <a:r>
-              <a:rPr lang="en" sz="1800" dirty="0"/>
-              <a:t> </a:t>
-            </a:r>
-            <a:r>
-              <a:rPr lang="en" sz="1800" dirty="0" err="1"/>
+              <a:rPr lang="en" sz="1600" dirty="0"/>
+              <a:t> </a:t>
+            </a:r>
+            <a:r>
+              <a:rPr lang="en" sz="1600" dirty="0" err="1"/>
               <a:t>hiburan</a:t>
             </a:r>
             <a:r>
-              <a:rPr lang="en" sz="1800" dirty="0"/>
+              <a:rPr lang="en" sz="1600" dirty="0"/>
               <a:t> yang </a:t>
             </a:r>
             <a:r>
-              <a:rPr lang="en" sz="1800" dirty="0" err="1"/>
+              <a:rPr lang="en" sz="1600" dirty="0" err="1"/>
               <a:t>dapat</a:t>
             </a:r>
             <a:r>
-              <a:rPr lang="en" sz="1800" dirty="0"/>
-              <a:t> </a:t>
-            </a:r>
-            <a:r>
-              <a:rPr lang="en" sz="1800" dirty="0" err="1"/>
+              <a:rPr lang="en" sz="1600" dirty="0"/>
+              <a:t> </a:t>
+            </a:r>
+            <a:r>
+              <a:rPr lang="en" sz="1600" dirty="0" err="1"/>
               <a:t>membantu</a:t>
             </a:r>
             <a:r>
-              <a:rPr lang="en" sz="1800" dirty="0"/>
-              <a:t> </a:t>
-            </a:r>
-            <a:r>
-              <a:rPr lang="en" sz="1800" dirty="0" err="1"/>
+              <a:rPr lang="en" sz="1600" dirty="0"/>
+              <a:t> </a:t>
+            </a:r>
+            <a:r>
+              <a:rPr lang="en" sz="1600" dirty="0" err="1"/>
               <a:t>siswa</a:t>
             </a:r>
             <a:r>
-              <a:rPr lang="en" sz="1800" dirty="0"/>
+              <a:rPr lang="en" sz="1600" dirty="0"/>
               <a:t>, </a:t>
             </a:r>
             <a:r>
-              <a:rPr lang="en" sz="1800" dirty="0" err="1"/>
+              <a:rPr lang="en" sz="1600" dirty="0" err="1"/>
               <a:t>dalam</a:t>
             </a:r>
             <a:r>
-              <a:rPr lang="en" sz="1800" dirty="0"/>
-              <a:t> </a:t>
-            </a:r>
-            <a:r>
-              <a:rPr lang="en" sz="1800" dirty="0" err="1"/>
-              <a:t>menyelesakna</a:t>
-            </a:r>
-            <a:r>
-              <a:rPr lang="en" sz="1800" dirty="0"/>
-              <a:t> </a:t>
-            </a:r>
-            <a:r>
-              <a:rPr lang="en" sz="1800" dirty="0" err="1"/>
+              <a:rPr lang="en" sz="1600" dirty="0"/>
+              <a:t> </a:t>
+            </a:r>
+            <a:r>
+              <a:rPr lang="en" sz="1600" dirty="0" err="1"/>
+              <a:t>menyelesaikan</a:t>
+            </a:r>
+            <a:r>
+              <a:rPr lang="en" sz="1600" dirty="0"/>
+              <a:t> </a:t>
+            </a:r>
+            <a:r>
+              <a:rPr lang="en" sz="1600" dirty="0" err="1"/>
               <a:t>tugasnya</a:t>
             </a:r>
             <a:r>
-              <a:rPr lang="en" sz="1800" dirty="0"/>
+              <a:rPr lang="en" sz="1600" dirty="0"/>
               <a:t>.</a:t>
             </a:r>
           </a:p>
@@ -7357,7 +8181,7 @@
               <a:buFont typeface="Arial"/>
               <a:buNone/>
             </a:pPr>
-            <a:endParaRPr lang="en" sz="1800" dirty="0"/>
+            <a:endParaRPr lang="en" sz="1600" dirty="0"/>
           </a:p>
           <a:p>
             <a:pPr marL="0" lvl="0" indent="0" algn="l" rtl="0">
@@ -7378,78 +8202,65 @@
               <a:buNone/>
             </a:pPr>
             <a:r>
-              <a:rPr lang="en" sz="1800" dirty="0" err="1"/>
-              <a:t>Menggunakan</a:t>
-            </a:r>
-            <a:r>
-              <a:rPr lang="en" sz="1800" dirty="0"/>
-              <a:t> API </a:t>
-            </a:r>
-            <a:r>
-              <a:rPr lang="en" sz="1800" dirty="0" err="1"/>
-              <a:t>dari</a:t>
-            </a:r>
-            <a:r>
-              <a:rPr lang="en" sz="1800" dirty="0"/>
-              <a:t> </a:t>
-            </a:r>
-            <a:r>
-              <a:rPr lang="id-ID" sz="1800" dirty="0"/>
-              <a:t>L</a:t>
-            </a:r>
-            <a:r>
-              <a:rPr lang="en" sz="1800" dirty="0" err="1"/>
-              <a:t>aravel</a:t>
-            </a:r>
-            <a:r>
-              <a:rPr lang="en" sz="1800" dirty="0"/>
-              <a:t> </a:t>
-            </a:r>
-            <a:r>
-              <a:rPr lang="en" sz="1800" dirty="0" err="1"/>
-              <a:t>untuk</a:t>
-            </a:r>
-            <a:r>
-              <a:rPr lang="en" sz="1800" dirty="0"/>
-              <a:t> </a:t>
-            </a:r>
-            <a:r>
-              <a:rPr lang="en" sz="1800" dirty="0" err="1"/>
-              <a:t>menyimpan</a:t>
-            </a:r>
-            <a:r>
-              <a:rPr lang="en" sz="1800" dirty="0"/>
-              <a:t> data </a:t>
-            </a:r>
-            <a:r>
-              <a:rPr lang="en" sz="1800" dirty="0" err="1"/>
-              <a:t>pengguna</a:t>
-            </a:r>
-            <a:r>
-              <a:rPr lang="en" sz="1800" dirty="0"/>
-              <a:t> dan </a:t>
-            </a:r>
-            <a:r>
-              <a:rPr lang="en" sz="1800" dirty="0" err="1"/>
-              <a:t>MySql</a:t>
-            </a:r>
-            <a:r>
-              <a:rPr lang="en" sz="1800" dirty="0"/>
-              <a:t> </a:t>
-            </a:r>
-            <a:r>
-              <a:rPr lang="en" sz="1800" dirty="0" err="1"/>
-              <a:t>sebagai</a:t>
-            </a:r>
-            <a:r>
-              <a:rPr lang="en" sz="1800" dirty="0"/>
-              <a:t> </a:t>
-            </a:r>
-            <a:r>
-              <a:rPr lang="en" sz="1800" dirty="0" err="1"/>
-              <a:t>databasenya</a:t>
-            </a:r>
-            <a:endParaRPr lang="en" sz="1800" dirty="0"/>
+              <a:rPr lang="en" sz="1600" dirty="0" err="1"/>
+              <a:t>Aplikasi</a:t>
+            </a:r>
+            <a:r>
+              <a:rPr lang="en" sz="1600" dirty="0"/>
+              <a:t> </a:t>
+            </a:r>
+            <a:r>
+              <a:rPr lang="en" sz="1600" dirty="0" err="1"/>
+              <a:t>ini</a:t>
+            </a:r>
+            <a:r>
+              <a:rPr lang="en" sz="1600" dirty="0"/>
+              <a:t> </a:t>
+            </a:r>
+            <a:r>
+              <a:rPr lang="en" sz="1600" dirty="0" err="1"/>
+              <a:t>disusun</a:t>
+            </a:r>
+            <a:r>
+              <a:rPr lang="en" sz="1600" dirty="0"/>
+              <a:t> </a:t>
+            </a:r>
+            <a:r>
+              <a:rPr lang="en" sz="1600" dirty="0" err="1"/>
+              <a:t>dengan</a:t>
+            </a:r>
+            <a:r>
+              <a:rPr lang="en" sz="1600" dirty="0"/>
+              <a:t> </a:t>
+            </a:r>
+            <a:r>
+              <a:rPr lang="en" sz="1600" dirty="0" err="1"/>
+              <a:t>menggunakan</a:t>
+            </a:r>
+            <a:r>
+              <a:rPr lang="en" sz="1600" dirty="0"/>
+              <a:t> </a:t>
+            </a:r>
+            <a:r>
+              <a:rPr lang="id-ID" sz="1600" dirty="0" err="1"/>
+              <a:t>B</a:t>
+            </a:r>
+            <a:r>
+              <a:rPr lang="en" sz="1600" dirty="0" err="1"/>
+              <a:t>ahasa</a:t>
+            </a:r>
+            <a:r>
+              <a:rPr lang="en" sz="1600" dirty="0"/>
+              <a:t> </a:t>
+            </a:r>
+            <a:r>
+              <a:rPr lang="en" sz="1600" dirty="0" err="1"/>
+              <a:t>pemrograman</a:t>
+            </a:r>
+            <a:r>
+              <a:rPr lang="en" sz="1600" dirty="0"/>
+              <a:t> java native di android studio.</a:t>
+            </a:r>
           </a:p>
           <a:p>
             <a:pPr marL="0" lvl="0" indent="0" algn="l" rtl="0">
@@ -7469,7 +8280,7 @@
               <a:buFont typeface="Arial"/>
               <a:buNone/>
             </a:pPr>
-            <a:endParaRPr lang="en" sz="1800" dirty="0"/>
+            <a:endParaRPr lang="en" sz="1600" dirty="0"/>
           </a:p>
           <a:p>
             <a:pPr marL="0" lvl="0" indent="0" algn="l" rtl="0">
@@ -7490,58 +8301,78 @@
               <a:buNone/>
             </a:pPr>
             <a:r>
-              <a:rPr lang="en" sz="1800" dirty="0" err="1"/>
-              <a:t>Aplikasi</a:t>
-            </a:r>
-            <a:r>
-              <a:rPr lang="en" sz="1800" dirty="0"/>
-              <a:t> </a:t>
-            </a:r>
-            <a:r>
-              <a:rPr lang="en" sz="1800" dirty="0" err="1"/>
-              <a:t>ini</a:t>
-            </a:r>
-            <a:r>
-              <a:rPr lang="en" sz="1800" dirty="0"/>
-              <a:t> </a:t>
-            </a:r>
-            <a:r>
-              <a:rPr lang="en" sz="1800" dirty="0" err="1"/>
-              <a:t>memiliki</a:t>
-            </a:r>
-            <a:r>
-              <a:rPr lang="en" sz="1800" dirty="0"/>
-              <a:t> </a:t>
-            </a:r>
-            <a:r>
-              <a:rPr lang="en" sz="1800" dirty="0" err="1"/>
-              <a:t>fitur</a:t>
-            </a:r>
-            <a:r>
-              <a:rPr lang="en" sz="1800" dirty="0"/>
-              <a:t> smart chat yang </a:t>
-            </a:r>
-            <a:r>
-              <a:rPr lang="en" sz="1800" dirty="0" err="1"/>
-              <a:t>berbasis</a:t>
-            </a:r>
-            <a:r>
-              <a:rPr lang="en" sz="1800" dirty="0"/>
-              <a:t> AI </a:t>
-            </a:r>
-            <a:r>
-              <a:rPr lang="en" sz="1800" dirty="0" err="1"/>
+              <a:rPr lang="en" sz="1600" dirty="0" err="1"/>
+              <a:t>Menggunakan</a:t>
+            </a:r>
+            <a:r>
+              <a:rPr lang="en" sz="1600" dirty="0"/>
+              <a:t> API </a:t>
+            </a:r>
+            <a:r>
+              <a:rPr lang="en" sz="1600" dirty="0" err="1"/>
               <a:t>dari</a:t>
             </a:r>
             <a:r>
-              <a:rPr lang="en" sz="1800" dirty="0"/>
-              <a:t> </a:t>
-            </a:r>
-            <a:r>
-              <a:rPr lang="en" sz="1800" dirty="0" err="1"/>
-              <a:t>ChatGPT</a:t>
-            </a:r>
-            <a:endParaRPr lang="en" sz="1800" dirty="0"/>
+              <a:rPr lang="en" sz="1600" dirty="0"/>
+              <a:t> </a:t>
+            </a:r>
+            <a:r>
+              <a:rPr lang="id-ID" sz="1600" dirty="0"/>
+              <a:t>L</a:t>
+            </a:r>
+            <a:r>
+              <a:rPr lang="en" sz="1600" dirty="0" err="1"/>
+              <a:t>aravel</a:t>
+            </a:r>
+            <a:r>
+              <a:rPr lang="en" sz="1600" dirty="0"/>
+              <a:t> </a:t>
+            </a:r>
+            <a:r>
+              <a:rPr lang="en" sz="1600" dirty="0" err="1"/>
+              <a:t>untuk</a:t>
+            </a:r>
+            <a:r>
+              <a:rPr lang="en" sz="1600" dirty="0"/>
+              <a:t> </a:t>
+            </a:r>
+            <a:r>
+              <a:rPr lang="en" sz="1600" dirty="0" err="1"/>
+              <a:t>menyimpan</a:t>
+            </a:r>
+            <a:r>
+              <a:rPr lang="en" sz="1600" dirty="0"/>
+              <a:t> data </a:t>
+            </a:r>
+            <a:r>
+              <a:rPr lang="en" sz="1600" dirty="0" err="1"/>
+              <a:t>pengguna</a:t>
+            </a:r>
+            <a:r>
+              <a:rPr lang="en" sz="1600" dirty="0"/>
+              <a:t> dan </a:t>
+            </a:r>
+            <a:r>
+              <a:rPr lang="en" sz="1600" dirty="0" err="1"/>
+              <a:t>MySql</a:t>
+            </a:r>
+            <a:r>
+              <a:rPr lang="en" sz="1600" dirty="0"/>
+              <a:t> </a:t>
+            </a:r>
+            <a:r>
+              <a:rPr lang="en" sz="1600" dirty="0" err="1"/>
+              <a:t>sebagai</a:t>
+            </a:r>
+            <a:r>
+              <a:rPr lang="en" sz="1600" dirty="0"/>
+              <a:t> </a:t>
+            </a:r>
+            <a:r>
+              <a:rPr lang="en" sz="1600" dirty="0" err="1"/>
+              <a:t>databasenya</a:t>
+            </a:r>
+            <a:endParaRPr lang="en" sz="1600" dirty="0"/>
           </a:p>
           <a:p>
             <a:pPr marL="0" lvl="0" indent="0" algn="l" rtl="0">
@@ -7561,7 +8392,7 @@
               <a:buFont typeface="Arial"/>
               <a:buNone/>
             </a:pPr>
-            <a:endParaRPr lang="en" sz="1800" dirty="0"/>
+            <a:endParaRPr lang="en" sz="1600" dirty="0"/>
           </a:p>
           <a:p>
             <a:pPr marL="0" lvl="0" indent="0" algn="l" rtl="0">
@@ -7582,26 +8413,122 @@
               <a:buNone/>
             </a:pPr>
             <a:r>
-              <a:rPr lang="en" sz="1800" dirty="0" err="1"/>
+              <a:rPr lang="en" sz="1600" dirty="0" err="1"/>
+              <a:t>Aplikasi</a:t>
+            </a:r>
+            <a:r>
+              <a:rPr lang="en" sz="1600" dirty="0"/>
+              <a:t> </a:t>
+            </a:r>
+            <a:r>
+              <a:rPr lang="en" sz="1600" dirty="0" err="1"/>
+              <a:t>ini</a:t>
+            </a:r>
+            <a:r>
+              <a:rPr lang="en" sz="1600" dirty="0"/>
+              <a:t> </a:t>
+            </a:r>
+            <a:r>
+              <a:rPr lang="en" sz="1600" dirty="0" err="1"/>
+              <a:t>memiliki</a:t>
+            </a:r>
+            <a:r>
+              <a:rPr lang="en" sz="1600" dirty="0"/>
+              <a:t> </a:t>
+            </a:r>
+            <a:r>
+              <a:rPr lang="en" sz="1600" dirty="0" err="1"/>
+              <a:t>fitur</a:t>
+            </a:r>
+            <a:r>
+              <a:rPr lang="en" sz="1600" dirty="0"/>
+              <a:t> smart chat dan Image Generator yang </a:t>
+            </a:r>
+            <a:r>
+              <a:rPr lang="en" sz="1600" dirty="0" err="1"/>
+              <a:t>berbasis</a:t>
+            </a:r>
+            <a:r>
+              <a:rPr lang="en" sz="1600" dirty="0"/>
+              <a:t> AI </a:t>
+            </a:r>
+            <a:r>
+              <a:rPr lang="en" sz="1600" dirty="0" err="1"/>
+              <a:t>dari</a:t>
+            </a:r>
+            <a:r>
+              <a:rPr lang="en" sz="1600" dirty="0"/>
+              <a:t> </a:t>
+            </a:r>
+            <a:r>
+              <a:rPr lang="en" sz="1600" dirty="0" err="1"/>
+              <a:t>ChatGPT</a:t>
+            </a:r>
+            <a:endParaRPr lang="en" sz="1600" dirty="0"/>
+          </a:p>
+          <a:p>
+            <a:pPr marL="0" lvl="0" indent="0" algn="l" rtl="0">
+              <a:lnSpc>
+                <a:spcPct val="100000"/>
+              </a:lnSpc>
+              <a:spcBef>
+                <a:spcPts val="0"/>
+              </a:spcBef>
+              <a:spcAft>
+                <a:spcPts val="0"/>
+              </a:spcAft>
+              <a:buClr>
+                <a:schemeClr val="dk1"/>
+              </a:buClr>
+              <a:buSzPts val="1100"/>
+              <a:buFont typeface="Arial"/>
+              <a:buNone/>
+            </a:pPr>
+            <a:endParaRPr lang="en" sz="1600" dirty="0"/>
+          </a:p>
+          <a:p>
+            <a:pPr marL="0" lvl="0" indent="0" algn="l" rtl="0">
+              <a:lnSpc>
+                <a:spcPct val="100000"/>
+              </a:lnSpc>
+              <a:spcBef>
+                <a:spcPts val="0"/>
+              </a:spcBef>
+              <a:spcAft>
+                <a:spcPts val="0"/>
+              </a:spcAft>
+              <a:buClr>
+                <a:schemeClr val="dk1"/>
+              </a:buClr>
+              <a:buSzPts val="1100"/>
+              <a:buFont typeface="Arial"/>
+              <a:buNone/>
+            </a:pPr>
+            <a:r>
+              <a:rPr lang="en" sz="1600" dirty="0" err="1"/>
               <a:t>Berikut</a:t>
             </a:r>
             <a:r>
-              <a:rPr lang="en" sz="1800" dirty="0"/>
+              <a:rPr lang="en" sz="1600" dirty="0"/>
               <a:t> demo </a:t>
             </a:r>
             <a:r>
-              <a:rPr lang="en" sz="1800" dirty="0" err="1"/>
+              <a:rPr lang="en" sz="1600" dirty="0" err="1"/>
               <a:t>aplikasi</a:t>
             </a:r>
             <a:r>
-              <a:rPr lang="en" sz="1800" dirty="0"/>
-              <a:t> </a:t>
-            </a:r>
-            <a:r>
-              <a:rPr lang="en" sz="1800" dirty="0" err="1"/>
+              <a:rPr lang="en" sz="1600" dirty="0"/>
+              <a:t> </a:t>
+            </a:r>
+            <a:r>
+              <a:rPr lang="en" sz="1600" dirty="0" err="1"/>
               <a:t>StudentKit</a:t>
             </a:r>
-            <a:endParaRPr sz="1800" dirty="0"/>
+            <a:r>
+              <a:rPr lang="en" sz="1600" dirty="0"/>
+              <a:t> :</a:t>
+            </a:r>
+            <a:endParaRPr sz="1600" dirty="0"/>
           </a:p>
         </p:txBody>
       </p:sp>
@@ -10726,12 +11653,8 @@
               <a:t>Ada </a:t>
             </a:r>
             <a:r>
-              <a:rPr lang="en-US" dirty="0" err="1"/>
-              <a:t>tiga</a:t>
-            </a:r>
-            <a:r>
-              <a:rPr lang="en-US" dirty="0"/>
-              <a:t> </a:t>
+              <a:rPr lang="en-US"/>
+              <a:t>beberapa </a:t>
             </a:r>
             <a:r>
               <a:rPr lang="en-US" dirty="0" err="1"/>
@@ -10795,11 +11718,15 @@
             </a:r>
             <a:r>
               <a:rPr lang="en-US" dirty="0"/>
-              <a:t>, Quiz, dan </a:t>
+              <a:t>, Quiz, </a:t>
             </a:r>
             <a:r>
               <a:rPr lang="en-US" dirty="0" err="1"/>
               <a:t>SmartChat</a:t>
+            </a:r>
+            <a:r>
+              <a:rPr lang="en-US" dirty="0"/>
+              <a:t>, dan Image Generator</a:t>
             </a:r>
             <a:endParaRPr dirty="0"/>
           </a:p>
@@ -10838,8 +11765,8 @@
         </p:blipFill>
         <p:spPr>
           <a:xfrm>
-            <a:off x="5768592" y="-41000"/>
-            <a:ext cx="2411015" cy="5143500"/>
+            <a:off x="5768592" y="-40999"/>
+            <a:ext cx="2411015" cy="5143498"/>
           </a:xfrm>
           <a:prstGeom prst="rect">
             <a:avLst/>
